--- a/Software_structure.pptx
+++ b/Software_structure.pptx
@@ -3224,6 +3224,9 @@
                 <a:avLst/>
               </a:prstGeom>
               <a:ln>
+                <a:solidFill>
+                  <a:schemeClr val="tx1"/>
+                </a:solidFill>
                 <a:tailEnd type="triangle"/>
               </a:ln>
             </p:spPr>
@@ -3259,6 +3262,9 @@
                 <a:avLst/>
               </a:prstGeom>
               <a:ln>
+                <a:solidFill>
+                  <a:schemeClr val="tx1"/>
+                </a:solidFill>
                 <a:tailEnd type="triangle"/>
               </a:ln>
             </p:spPr>
@@ -3295,6 +3301,9 @@
                 <a:avLst/>
               </a:prstGeom>
               <a:ln>
+                <a:solidFill>
+                  <a:schemeClr val="tx1"/>
+                </a:solidFill>
                 <a:tailEnd type="triangle"/>
               </a:ln>
             </p:spPr>
@@ -3457,6 +3466,9 @@
               <a:avLst/>
             </a:prstGeom>
             <a:ln>
+              <a:solidFill>
+                <a:schemeClr val="tx1"/>
+              </a:solidFill>
               <a:tailEnd type="triangle"/>
             </a:ln>
           </p:spPr>
@@ -3484,10 +3496,10 @@
         </p:nvGrpSpPr>
         <p:grpSpPr>
           <a:xfrm>
-            <a:off x="1179368" y="4433359"/>
-            <a:ext cx="3119190" cy="1124479"/>
-            <a:chOff x="1179368" y="4433359"/>
-            <a:chExt cx="3119190" cy="1124479"/>
+            <a:off x="1179368" y="4424537"/>
+            <a:ext cx="3119190" cy="1133301"/>
+            <a:chOff x="1179368" y="4424537"/>
+            <a:chExt cx="3119190" cy="1133301"/>
           </a:xfrm>
         </p:grpSpPr>
         <p:sp>
@@ -3539,7 +3551,7 @@
           </p:nvSpPr>
           <p:spPr>
             <a:xfrm>
-              <a:off x="1908154" y="4810932"/>
+              <a:off x="1229453" y="4424537"/>
               <a:ext cx="1758538" cy="369332"/>
             </a:xfrm>
             <a:prstGeom prst="rect">
@@ -4596,6 +4608,95 @@
           </a:p>
         </p:txBody>
       </p:sp>
+      <p:sp>
+        <p:nvSpPr>
+          <p:cNvPr id="98" name="TextBox 97"/>
+          <p:cNvSpPr txBox="1"/>
+          <p:nvPr/>
+        </p:nvSpPr>
+        <p:spPr>
+          <a:xfrm>
+            <a:off x="1258784" y="4893538"/>
+            <a:ext cx="2962738" cy="584775"/>
+          </a:xfrm>
+          <a:prstGeom prst="rect">
+            <a:avLst/>
+          </a:prstGeom>
+          <a:noFill/>
+        </p:spPr>
+        <p:txBody>
+          <a:bodyPr wrap="square" rtlCol="0">
+            <a:spAutoFit/>
+          </a:bodyPr>
+          <a:lstStyle/>
+          <a:p>
+            <a:pPr marL="285750" indent="-285750">
+              <a:buFont typeface="Arial" charset="0"/>
+              <a:buChar char="•"/>
+            </a:pPr>
+            <a:r>
+              <a:rPr lang="en-US" sz="1600" dirty="0" smtClean="0"/>
+              <a:t>Operator class?</a:t>
+            </a:r>
+          </a:p>
+          <a:p>
+            <a:pPr marL="285750" indent="-285750">
+              <a:buFont typeface="Arial" charset="0"/>
+              <a:buChar char="•"/>
+            </a:pPr>
+            <a:r>
+              <a:rPr lang="en-US" sz="1600" dirty="0" err="1" smtClean="0"/>
+              <a:t>Jupyter</a:t>
+            </a:r>
+            <a:r>
+              <a:rPr lang="en-US" sz="1600" dirty="0" smtClean="0"/>
+              <a:t> notebook widgets?</a:t>
+            </a:r>
+            <a:endParaRPr lang="en-US" sz="1600" dirty="0"/>
+          </a:p>
+        </p:txBody>
+      </p:sp>
+      <p:cxnSp>
+        <p:nvCxnSpPr>
+          <p:cNvPr id="100" name="Curved Connector 99"/>
+          <p:cNvCxnSpPr>
+            <a:stCxn id="6" idx="3"/>
+            <a:endCxn id="90" idx="3"/>
+          </p:cNvCxnSpPr>
+          <p:nvPr/>
+        </p:nvCxnSpPr>
+        <p:spPr>
+          <a:xfrm>
+            <a:off x="9547760" y="1101834"/>
+            <a:ext cx="492565" cy="4927197"/>
+          </a:xfrm>
+          <a:prstGeom prst="curvedConnector3">
+            <a:avLst>
+              <a:gd name="adj1" fmla="val 398765"/>
+            </a:avLst>
+          </a:prstGeom>
+          <a:ln>
+            <a:solidFill>
+              <a:srgbClr val="7030A0"/>
+            </a:solidFill>
+            <a:tailEnd type="triangle"/>
+          </a:ln>
+        </p:spPr>
+        <p:style>
+          <a:lnRef idx="1">
+            <a:schemeClr val="accent1"/>
+          </a:lnRef>
+          <a:fillRef idx="0">
+            <a:schemeClr val="accent1"/>
+          </a:fillRef>
+          <a:effectRef idx="0">
+            <a:schemeClr val="accent1"/>
+          </a:effectRef>
+          <a:fontRef idx="minor">
+            <a:schemeClr val="tx1"/>
+          </a:fontRef>
+        </p:style>
+      </p:cxnSp>
     </p:spTree>
     <p:extLst>
       <p:ext uri="{BB962C8B-B14F-4D97-AF65-F5344CB8AC3E}">
